--- a/ETL PROJECT POWERPOINT.pptx
+++ b/ETL PROJECT POWERPOINT.pptx
@@ -108,6 +108,11 @@
       </a:defRPr>
     </a:lvl9pPr>
   </p:defaultTextStyle>
+  <p:extLst>
+    <p:ext uri="{EFAFB233-063F-42B5-8137-9DF3F51BA10A}">
+      <p15:sldGuideLst xmlns:p15="http://schemas.microsoft.com/office/powerpoint/2012/main"/>
+    </p:ext>
+  </p:extLst>
 </p:presentation>
 </file>
 
@@ -833,7 +838,7 @@
           <a:p>
             <a:fld id="{5A79DC7C-F358-4E9E-BE64-9426CB2C5C3F}" type="datetimeFigureOut">
               <a:rPr lang="en-US" smtClean="0"/>
-              <a:t>2/2/2019</a:t>
+              <a:t>2/2/19</a:t>
             </a:fld>
             <a:endParaRPr lang="en-US"/>
           </a:p>
@@ -1084,7 +1089,7 @@
           <a:p>
             <a:fld id="{5A79DC7C-F358-4E9E-BE64-9426CB2C5C3F}" type="datetimeFigureOut">
               <a:rPr lang="en-US" smtClean="0"/>
-              <a:t>2/2/2019</a:t>
+              <a:t>2/2/19</a:t>
             </a:fld>
             <a:endParaRPr lang="en-US"/>
           </a:p>
@@ -1398,7 +1403,7 @@
           <a:p>
             <a:fld id="{5A79DC7C-F358-4E9E-BE64-9426CB2C5C3F}" type="datetimeFigureOut">
               <a:rPr lang="en-US" smtClean="0"/>
-              <a:t>2/2/2019</a:t>
+              <a:t>2/2/19</a:t>
             </a:fld>
             <a:endParaRPr lang="en-US"/>
           </a:p>
@@ -1739,7 +1744,7 @@
           <a:p>
             <a:fld id="{5A79DC7C-F358-4E9E-BE64-9426CB2C5C3F}" type="datetimeFigureOut">
               <a:rPr lang="en-US" smtClean="0"/>
-              <a:t>2/2/2019</a:t>
+              <a:t>2/2/19</a:t>
             </a:fld>
             <a:endParaRPr lang="en-US"/>
           </a:p>
@@ -2053,7 +2058,7 @@
           <a:p>
             <a:fld id="{5A79DC7C-F358-4E9E-BE64-9426CB2C5C3F}" type="datetimeFigureOut">
               <a:rPr lang="en-US" smtClean="0"/>
-              <a:t>2/2/2019</a:t>
+              <a:t>2/2/19</a:t>
             </a:fld>
             <a:endParaRPr lang="en-US"/>
           </a:p>
@@ -2446,7 +2451,7 @@
           <a:p>
             <a:fld id="{5A79DC7C-F358-4E9E-BE64-9426CB2C5C3F}" type="datetimeFigureOut">
               <a:rPr lang="en-US" smtClean="0"/>
-              <a:t>2/2/2019</a:t>
+              <a:t>2/2/19</a:t>
             </a:fld>
             <a:endParaRPr lang="en-US"/>
           </a:p>
@@ -2616,7 +2621,7 @@
           <a:p>
             <a:fld id="{5A79DC7C-F358-4E9E-BE64-9426CB2C5C3F}" type="datetimeFigureOut">
               <a:rPr lang="en-US" smtClean="0"/>
-              <a:t>2/2/2019</a:t>
+              <a:t>2/2/19</a:t>
             </a:fld>
             <a:endParaRPr lang="en-US"/>
           </a:p>
@@ -2796,7 +2801,7 @@
           <a:p>
             <a:fld id="{5A79DC7C-F358-4E9E-BE64-9426CB2C5C3F}" type="datetimeFigureOut">
               <a:rPr lang="en-US" smtClean="0"/>
-              <a:t>2/2/2019</a:t>
+              <a:t>2/2/19</a:t>
             </a:fld>
             <a:endParaRPr lang="en-US"/>
           </a:p>
@@ -2972,7 +2977,7 @@
           <a:p>
             <a:fld id="{5A79DC7C-F358-4E9E-BE64-9426CB2C5C3F}" type="datetimeFigureOut">
               <a:rPr lang="en-US" smtClean="0"/>
-              <a:t>2/2/2019</a:t>
+              <a:t>2/2/19</a:t>
             </a:fld>
             <a:endParaRPr lang="en-US"/>
           </a:p>
@@ -3219,7 +3224,7 @@
           <a:p>
             <a:fld id="{5A79DC7C-F358-4E9E-BE64-9426CB2C5C3F}" type="datetimeFigureOut">
               <a:rPr lang="en-US" smtClean="0"/>
-              <a:t>2/2/2019</a:t>
+              <a:t>2/2/19</a:t>
             </a:fld>
             <a:endParaRPr lang="en-US"/>
           </a:p>
@@ -3451,7 +3456,7 @@
           <a:p>
             <a:fld id="{5A79DC7C-F358-4E9E-BE64-9426CB2C5C3F}" type="datetimeFigureOut">
               <a:rPr lang="en-US" smtClean="0"/>
-              <a:t>2/2/2019</a:t>
+              <a:t>2/2/19</a:t>
             </a:fld>
             <a:endParaRPr lang="en-US"/>
           </a:p>
@@ -3825,7 +3830,7 @@
           <a:p>
             <a:fld id="{5A79DC7C-F358-4E9E-BE64-9426CB2C5C3F}" type="datetimeFigureOut">
               <a:rPr lang="en-US" smtClean="0"/>
-              <a:t>2/2/2019</a:t>
+              <a:t>2/2/19</a:t>
             </a:fld>
             <a:endParaRPr lang="en-US"/>
           </a:p>
@@ -3948,7 +3953,7 @@
           <a:p>
             <a:fld id="{5A79DC7C-F358-4E9E-BE64-9426CB2C5C3F}" type="datetimeFigureOut">
               <a:rPr lang="en-US" smtClean="0"/>
-              <a:t>2/2/2019</a:t>
+              <a:t>2/2/19</a:t>
             </a:fld>
             <a:endParaRPr lang="en-US"/>
           </a:p>
@@ -4043,7 +4048,7 @@
           <a:p>
             <a:fld id="{5A79DC7C-F358-4E9E-BE64-9426CB2C5C3F}" type="datetimeFigureOut">
               <a:rPr lang="en-US" smtClean="0"/>
-              <a:t>2/2/2019</a:t>
+              <a:t>2/2/19</a:t>
             </a:fld>
             <a:endParaRPr lang="en-US"/>
           </a:p>
@@ -4298,7 +4303,7 @@
           <a:p>
             <a:fld id="{5A79DC7C-F358-4E9E-BE64-9426CB2C5C3F}" type="datetimeFigureOut">
               <a:rPr lang="en-US" smtClean="0"/>
-              <a:t>2/2/2019</a:t>
+              <a:t>2/2/19</a:t>
             </a:fld>
             <a:endParaRPr lang="en-US"/>
           </a:p>
@@ -4561,7 +4566,7 @@
           <a:p>
             <a:fld id="{5A79DC7C-F358-4E9E-BE64-9426CB2C5C3F}" type="datetimeFigureOut">
               <a:rPr lang="en-US" smtClean="0"/>
-              <a:t>2/2/2019</a:t>
+              <a:t>2/2/19</a:t>
             </a:fld>
             <a:endParaRPr lang="en-US"/>
           </a:p>
@@ -5304,7 +5309,7 @@
           <a:p>
             <a:fld id="{5A79DC7C-F358-4E9E-BE64-9426CB2C5C3F}" type="datetimeFigureOut">
               <a:rPr lang="en-US" smtClean="0"/>
-              <a:t>2/2/2019</a:t>
+              <a:t>2/2/19</a:t>
             </a:fld>
             <a:endParaRPr lang="en-US"/>
           </a:p>
@@ -5881,7 +5886,7 @@
           <a:p>
             <a:r>
               <a:rPr lang="en-US" dirty="0"/>
-              <a:t>Kerry Kovacick, Tito Odunsi, Delayna Bradshaw</a:t>
+              <a:t>Kerry Kovacik, Tito Odunsi, Delayna Bradshaw</a:t>
             </a:r>
           </a:p>
         </p:txBody>
@@ -6210,7 +6215,7 @@
             <a:pPr lvl="1"/>
             <a:r>
               <a:rPr lang="en-US" dirty="0"/>
-              <a:t>Sort the animal data set to that the results are “grouped” by year.</a:t>
+              <a:t>Sort the animal data set so that the results are “grouped” by year.</a:t>
             </a:r>
           </a:p>
         </p:txBody>
@@ -6313,7 +6318,7 @@
             </a:r>
             <a:r>
               <a:rPr lang="en-US" dirty="0" err="1"/>
-              <a:t>animal_lovers</a:t>
+              <a:t>etlproject_db</a:t>
             </a:r>
             <a:endParaRPr lang="en-US" dirty="0"/>
           </a:p>
@@ -6321,7 +6326,15 @@
             <a:pPr lvl="1"/>
             <a:r>
               <a:rPr lang="en-US" dirty="0"/>
-              <a:t>Tables: animals, </a:t>
+              <a:t>Tables: </a:t>
+            </a:r>
+            <a:r>
+              <a:rPr lang="en-US" dirty="0" err="1"/>
+              <a:t>aac_outcomes</a:t>
+            </a:r>
+            <a:r>
+              <a:rPr lang="en-US" dirty="0"/>
+              <a:t>, </a:t>
             </a:r>
             <a:r>
               <a:rPr lang="en-US" dirty="0" err="1"/>

--- a/ETL PROJECT POWERPOINT.pptx
+++ b/ETL PROJECT POWERPOINT.pptx
@@ -6,10 +6,9 @@
   </p:sldMasterIdLst>
   <p:sldIdLst>
     <p:sldId id="256" r:id="rId2"/>
-    <p:sldId id="258" r:id="rId3"/>
-    <p:sldId id="257" r:id="rId4"/>
-    <p:sldId id="259" r:id="rId5"/>
-    <p:sldId id="260" r:id="rId6"/>
+    <p:sldId id="257" r:id="rId3"/>
+    <p:sldId id="259" r:id="rId4"/>
+    <p:sldId id="260" r:id="rId5"/>
   </p:sldIdLst>
   <p:sldSz cx="12192000" cy="6858000"/>
   <p:notesSz cx="6858000" cy="9144000"/>
@@ -114,6 +113,27 @@
     </p:ext>
   </p:extLst>
 </p:presentation>
+</file>
+
+<file path=ppt/changesInfos/changesInfo1.xml><?xml version="1.0" encoding="utf-8"?>
+<pc:chgInfo xmlns:a="http://schemas.openxmlformats.org/drawingml/2006/main" xmlns:r="http://schemas.openxmlformats.org/officeDocument/2006/relationships" xmlns:ac="http://schemas.microsoft.com/office/drawing/2013/main/command" xmlns:pc="http://schemas.microsoft.com/office/powerpoint/2013/main/command">
+  <pc:docChgLst>
+    <pc:chgData name="Tito Odunsi" userId="b9b4f0f6b039246f" providerId="LiveId" clId="{3418ECF3-86B5-4B2A-AA5A-B3D856DD4327}"/>
+    <pc:docChg chg="delSld">
+      <pc:chgData name="Tito Odunsi" userId="b9b4f0f6b039246f" providerId="LiveId" clId="{3418ECF3-86B5-4B2A-AA5A-B3D856DD4327}" dt="2019-02-06T00:45:05.249" v="0" actId="2696"/>
+      <pc:docMkLst>
+        <pc:docMk/>
+      </pc:docMkLst>
+      <pc:sldChg chg="del">
+        <pc:chgData name="Tito Odunsi" userId="b9b4f0f6b039246f" providerId="LiveId" clId="{3418ECF3-86B5-4B2A-AA5A-B3D856DD4327}" dt="2019-02-06T00:45:05.249" v="0" actId="2696"/>
+        <pc:sldMkLst>
+          <pc:docMk/>
+          <pc:sldMk cId="3651077848" sldId="258"/>
+        </pc:sldMkLst>
+      </pc:sldChg>
+    </pc:docChg>
+  </pc:docChgLst>
+</pc:chgInfo>
 </file>
 
 <file path=ppt/slideLayouts/slideLayout1.xml><?xml version="1.0" encoding="utf-8"?>
@@ -838,7 +858,7 @@
           <a:p>
             <a:fld id="{5A79DC7C-F358-4E9E-BE64-9426CB2C5C3F}" type="datetimeFigureOut">
               <a:rPr lang="en-US" smtClean="0"/>
-              <a:t>2/2/19</a:t>
+              <a:t>2/5/2019</a:t>
             </a:fld>
             <a:endParaRPr lang="en-US"/>
           </a:p>
@@ -1089,7 +1109,7 @@
           <a:p>
             <a:fld id="{5A79DC7C-F358-4E9E-BE64-9426CB2C5C3F}" type="datetimeFigureOut">
               <a:rPr lang="en-US" smtClean="0"/>
-              <a:t>2/2/19</a:t>
+              <a:t>2/5/2019</a:t>
             </a:fld>
             <a:endParaRPr lang="en-US"/>
           </a:p>
@@ -1403,7 +1423,7 @@
           <a:p>
             <a:fld id="{5A79DC7C-F358-4E9E-BE64-9426CB2C5C3F}" type="datetimeFigureOut">
               <a:rPr lang="en-US" smtClean="0"/>
-              <a:t>2/2/19</a:t>
+              <a:t>2/5/2019</a:t>
             </a:fld>
             <a:endParaRPr lang="en-US"/>
           </a:p>
@@ -1744,7 +1764,7 @@
           <a:p>
             <a:fld id="{5A79DC7C-F358-4E9E-BE64-9426CB2C5C3F}" type="datetimeFigureOut">
               <a:rPr lang="en-US" smtClean="0"/>
-              <a:t>2/2/19</a:t>
+              <a:t>2/5/2019</a:t>
             </a:fld>
             <a:endParaRPr lang="en-US"/>
           </a:p>
@@ -2058,7 +2078,7 @@
           <a:p>
             <a:fld id="{5A79DC7C-F358-4E9E-BE64-9426CB2C5C3F}" type="datetimeFigureOut">
               <a:rPr lang="en-US" smtClean="0"/>
-              <a:t>2/2/19</a:t>
+              <a:t>2/5/2019</a:t>
             </a:fld>
             <a:endParaRPr lang="en-US"/>
           </a:p>
@@ -2451,7 +2471,7 @@
           <a:p>
             <a:fld id="{5A79DC7C-F358-4E9E-BE64-9426CB2C5C3F}" type="datetimeFigureOut">
               <a:rPr lang="en-US" smtClean="0"/>
-              <a:t>2/2/19</a:t>
+              <a:t>2/5/2019</a:t>
             </a:fld>
             <a:endParaRPr lang="en-US"/>
           </a:p>
@@ -2621,7 +2641,7 @@
           <a:p>
             <a:fld id="{5A79DC7C-F358-4E9E-BE64-9426CB2C5C3F}" type="datetimeFigureOut">
               <a:rPr lang="en-US" smtClean="0"/>
-              <a:t>2/2/19</a:t>
+              <a:t>2/5/2019</a:t>
             </a:fld>
             <a:endParaRPr lang="en-US"/>
           </a:p>
@@ -2801,7 +2821,7 @@
           <a:p>
             <a:fld id="{5A79DC7C-F358-4E9E-BE64-9426CB2C5C3F}" type="datetimeFigureOut">
               <a:rPr lang="en-US" smtClean="0"/>
-              <a:t>2/2/19</a:t>
+              <a:t>2/5/2019</a:t>
             </a:fld>
             <a:endParaRPr lang="en-US"/>
           </a:p>
@@ -2977,7 +2997,7 @@
           <a:p>
             <a:fld id="{5A79DC7C-F358-4E9E-BE64-9426CB2C5C3F}" type="datetimeFigureOut">
               <a:rPr lang="en-US" smtClean="0"/>
-              <a:t>2/2/19</a:t>
+              <a:t>2/5/2019</a:t>
             </a:fld>
             <a:endParaRPr lang="en-US"/>
           </a:p>
@@ -3224,7 +3244,7 @@
           <a:p>
             <a:fld id="{5A79DC7C-F358-4E9E-BE64-9426CB2C5C3F}" type="datetimeFigureOut">
               <a:rPr lang="en-US" smtClean="0"/>
-              <a:t>2/2/19</a:t>
+              <a:t>2/5/2019</a:t>
             </a:fld>
             <a:endParaRPr lang="en-US"/>
           </a:p>
@@ -3456,7 +3476,7 @@
           <a:p>
             <a:fld id="{5A79DC7C-F358-4E9E-BE64-9426CB2C5C3F}" type="datetimeFigureOut">
               <a:rPr lang="en-US" smtClean="0"/>
-              <a:t>2/2/19</a:t>
+              <a:t>2/5/2019</a:t>
             </a:fld>
             <a:endParaRPr lang="en-US"/>
           </a:p>
@@ -3830,7 +3850,7 @@
           <a:p>
             <a:fld id="{5A79DC7C-F358-4E9E-BE64-9426CB2C5C3F}" type="datetimeFigureOut">
               <a:rPr lang="en-US" smtClean="0"/>
-              <a:t>2/2/19</a:t>
+              <a:t>2/5/2019</a:t>
             </a:fld>
             <a:endParaRPr lang="en-US"/>
           </a:p>
@@ -3953,7 +3973,7 @@
           <a:p>
             <a:fld id="{5A79DC7C-F358-4E9E-BE64-9426CB2C5C3F}" type="datetimeFigureOut">
               <a:rPr lang="en-US" smtClean="0"/>
-              <a:t>2/2/19</a:t>
+              <a:t>2/5/2019</a:t>
             </a:fld>
             <a:endParaRPr lang="en-US"/>
           </a:p>
@@ -4048,7 +4068,7 @@
           <a:p>
             <a:fld id="{5A79DC7C-F358-4E9E-BE64-9426CB2C5C3F}" type="datetimeFigureOut">
               <a:rPr lang="en-US" smtClean="0"/>
-              <a:t>2/2/19</a:t>
+              <a:t>2/5/2019</a:t>
             </a:fld>
             <a:endParaRPr lang="en-US"/>
           </a:p>
@@ -4303,7 +4323,7 @@
           <a:p>
             <a:fld id="{5A79DC7C-F358-4E9E-BE64-9426CB2C5C3F}" type="datetimeFigureOut">
               <a:rPr lang="en-US" smtClean="0"/>
-              <a:t>2/2/19</a:t>
+              <a:t>2/5/2019</a:t>
             </a:fld>
             <a:endParaRPr lang="en-US"/>
           </a:p>
@@ -4566,7 +4586,7 @@
           <a:p>
             <a:fld id="{5A79DC7C-F358-4E9E-BE64-9426CB2C5C3F}" type="datetimeFigureOut">
               <a:rPr lang="en-US" smtClean="0"/>
-              <a:t>2/2/19</a:t>
+              <a:t>2/5/2019</a:t>
             </a:fld>
             <a:endParaRPr lang="en-US"/>
           </a:p>
@@ -5309,7 +5329,7 @@
           <a:p>
             <a:fld id="{5A79DC7C-F358-4E9E-BE64-9426CB2C5C3F}" type="datetimeFigureOut">
               <a:rPr lang="en-US" smtClean="0"/>
-              <a:t>2/2/19</a:t>
+              <a:t>2/5/2019</a:t>
             </a:fld>
             <a:endParaRPr lang="en-US"/>
           </a:p>
@@ -5886,7 +5906,7 @@
           <a:p>
             <a:r>
               <a:rPr lang="en-US" dirty="0"/>
-              <a:t>Kerry Kovacik, Tito Odunsi, Delayna Bradshaw</a:t>
+              <a:t>Kerry Kovacick, Tito Odunsi, Delayna Bradshaw</a:t>
             </a:r>
           </a:p>
         </p:txBody>
@@ -5926,7 +5946,7 @@
           <p:cNvPr id="2" name="Title 1">
             <a:extLst>
               <a:ext uri="{FF2B5EF4-FFF2-40B4-BE49-F238E27FC236}">
-                <a16:creationId xmlns:a16="http://schemas.microsoft.com/office/drawing/2014/main" id="{E3D7C548-7441-42F3-8C2A-7B7DB5F5947D}"/>
+                <a16:creationId xmlns:a16="http://schemas.microsoft.com/office/drawing/2014/main" id="{728D19B3-7932-40DD-A5A4-136878B3133A}"/>
               </a:ext>
             </a:extLst>
           </p:cNvPr>
@@ -5944,9 +5964,14 @@
           <a:p>
             <a:pPr algn="ctr"/>
             <a:r>
+              <a:rPr lang="en-US" b="1" dirty="0"/>
+              <a:t>E</a:t>
+            </a:r>
+            <a:r>
               <a:rPr lang="en-US" dirty="0"/>
-              <a:t>Project Overview!</a:t>
-            </a:r>
+              <a:t>xtract!</a:t>
+            </a:r>
+            <a:endParaRPr lang="en-US" b="1" dirty="0"/>
           </a:p>
         </p:txBody>
       </p:sp>
@@ -5955,7 +5980,7 @@
           <p:cNvPr id="3" name="Content Placeholder 2">
             <a:extLst>
               <a:ext uri="{FF2B5EF4-FFF2-40B4-BE49-F238E27FC236}">
-                <a16:creationId xmlns:a16="http://schemas.microsoft.com/office/drawing/2014/main" id="{71F89D65-3895-42D1-BA87-3546E396BA37}"/>
+                <a16:creationId xmlns:a16="http://schemas.microsoft.com/office/drawing/2014/main" id="{B59FC82B-17C1-4F52-923D-07F15C6285B8}"/>
               </a:ext>
             </a:extLst>
           </p:cNvPr>
@@ -5971,14 +5996,44 @@
           <a:bodyPr/>
           <a:lstStyle/>
           <a:p>
-            <a:endParaRPr lang="en-US"/>
+            <a:r>
+              <a:rPr lang="en-US" dirty="0"/>
+              <a:t>Data sources :</a:t>
+            </a:r>
+          </a:p>
+          <a:p>
+            <a:pPr lvl="1"/>
+            <a:r>
+              <a:rPr lang="en-US" dirty="0"/>
+              <a:t>Austin Animal Center Outcomes [ https://data.austintexas.gov/Health-and-Community-Services/Austin-Animal-Center-Outcomes/9t4d-g238 ]</a:t>
+            </a:r>
+          </a:p>
+          <a:p>
+            <a:pPr lvl="1"/>
+            <a:r>
+              <a:rPr lang="en-US" dirty="0"/>
+              <a:t>City of Austin Satisfaction Surveys [ https://data.austintexas.gov/City-Government/Community-Survey-2015-2016-2017/76qk-igxn ]</a:t>
+            </a:r>
+          </a:p>
+          <a:p>
+            <a:pPr lvl="1"/>
+            <a:endParaRPr lang="en-US" dirty="0"/>
+          </a:p>
+          <a:p>
+            <a:r>
+              <a:rPr lang="en-US" dirty="0"/>
+              <a:t>Both are CSV files pulled straight from austintexas.gov.</a:t>
+            </a:r>
+          </a:p>
+          <a:p>
+            <a:endParaRPr lang="en-US" dirty="0"/>
           </a:p>
         </p:txBody>
       </p:sp>
     </p:spTree>
     <p:extLst>
       <p:ext uri="{BB962C8B-B14F-4D97-AF65-F5344CB8AC3E}">
-        <p14:creationId xmlns:p14="http://schemas.microsoft.com/office/powerpoint/2010/main" val="3651077848"/>
+        <p14:creationId xmlns:p14="http://schemas.microsoft.com/office/powerpoint/2010/main" val="621474400"/>
       </p:ext>
     </p:extLst>
   </p:cSld>
@@ -6010,7 +6065,7 @@
           <p:cNvPr id="2" name="Title 1">
             <a:extLst>
               <a:ext uri="{FF2B5EF4-FFF2-40B4-BE49-F238E27FC236}">
-                <a16:creationId xmlns:a16="http://schemas.microsoft.com/office/drawing/2014/main" id="{728D19B3-7932-40DD-A5A4-136878B3133A}"/>
+                <a16:creationId xmlns:a16="http://schemas.microsoft.com/office/drawing/2014/main" id="{8AA85965-B6EC-41D9-9B7D-E2445DFBE1A8}"/>
               </a:ext>
             </a:extLst>
           </p:cNvPr>
@@ -6029,13 +6084,12 @@
             <a:pPr algn="ctr"/>
             <a:r>
               <a:rPr lang="en-US" b="1" dirty="0"/>
-              <a:t>E</a:t>
+              <a:t>T</a:t>
             </a:r>
             <a:r>
               <a:rPr lang="en-US" dirty="0"/>
-              <a:t>xtract!</a:t>
-            </a:r>
-            <a:endParaRPr lang="en-US" b="1" dirty="0"/>
+              <a:t>ransform!</a:t>
+            </a:r>
           </a:p>
         </p:txBody>
       </p:sp>
@@ -6044,7 +6098,7 @@
           <p:cNvPr id="3" name="Content Placeholder 2">
             <a:extLst>
               <a:ext uri="{FF2B5EF4-FFF2-40B4-BE49-F238E27FC236}">
-                <a16:creationId xmlns:a16="http://schemas.microsoft.com/office/drawing/2014/main" id="{B59FC82B-17C1-4F52-923D-07F15C6285B8}"/>
+                <a16:creationId xmlns:a16="http://schemas.microsoft.com/office/drawing/2014/main" id="{14C41D81-F359-4B5E-BA5A-CF293FFC2AF5}"/>
               </a:ext>
             </a:extLst>
           </p:cNvPr>
@@ -6062,42 +6116,50 @@
           <a:p>
             <a:r>
               <a:rPr lang="en-US" dirty="0"/>
-              <a:t>Data sources :</a:t>
+              <a:t>Transformation process/steps:</a:t>
             </a:r>
           </a:p>
           <a:p>
             <a:pPr lvl="1"/>
             <a:r>
               <a:rPr lang="en-US" dirty="0"/>
-              <a:t>Austin Animal Center Outcomes [ https://data.austintexas.gov/Health-and-Community-Services/Austin-Animal-Center-Outcomes/9t4d-g238 ]</a:t>
+              <a:t>Filter, drop and rename columns</a:t>
             </a:r>
           </a:p>
           <a:p>
             <a:pPr lvl="1"/>
             <a:r>
               <a:rPr lang="en-US" dirty="0"/>
-              <a:t>City of Austin Satisfaction Surveys [ https://data.austintexas.gov/City-Government/Community-Survey-2015-2016-2017/76qk-igxn ]</a:t>
+              <a:t>Aggregate animals by year for outcome types</a:t>
             </a:r>
           </a:p>
           <a:p>
             <a:pPr lvl="1"/>
-            <a:endParaRPr lang="en-US" dirty="0"/>
-          </a:p>
-          <a:p>
             <a:r>
               <a:rPr lang="en-US" dirty="0"/>
-              <a:t>Both are CSV files pulled straight from austintexas.gov.</a:t>
-            </a:r>
-          </a:p>
-          <a:p>
-            <a:endParaRPr lang="en-US" dirty="0"/>
+              <a:t>Filter data sets so that they both have the same data range</a:t>
+            </a:r>
+          </a:p>
+          <a:p>
+            <a:pPr lvl="1"/>
+            <a:r>
+              <a:rPr lang="en-US" dirty="0"/>
+              <a:t>Clean data by dropping any duplicates or rows missing data</a:t>
+            </a:r>
+          </a:p>
+          <a:p>
+            <a:pPr lvl="1"/>
+            <a:r>
+              <a:rPr lang="en-US" dirty="0"/>
+              <a:t>Sort the animal data set to that the results are “grouped” by year.</a:t>
+            </a:r>
           </a:p>
         </p:txBody>
       </p:sp>
     </p:spTree>
     <p:extLst>
       <p:ext uri="{BB962C8B-B14F-4D97-AF65-F5344CB8AC3E}">
-        <p14:creationId xmlns:p14="http://schemas.microsoft.com/office/powerpoint/2010/main" val="621474400"/>
+        <p14:creationId xmlns:p14="http://schemas.microsoft.com/office/powerpoint/2010/main" val="1474627776"/>
       </p:ext>
     </p:extLst>
   </p:cSld>
@@ -6129,132 +6191,6 @@
           <p:cNvPr id="2" name="Title 1">
             <a:extLst>
               <a:ext uri="{FF2B5EF4-FFF2-40B4-BE49-F238E27FC236}">
-                <a16:creationId xmlns:a16="http://schemas.microsoft.com/office/drawing/2014/main" id="{8AA85965-B6EC-41D9-9B7D-E2445DFBE1A8}"/>
-              </a:ext>
-            </a:extLst>
-          </p:cNvPr>
-          <p:cNvSpPr>
-            <a:spLocks noGrp="1"/>
-          </p:cNvSpPr>
-          <p:nvPr>
-            <p:ph type="title"/>
-          </p:nvPr>
-        </p:nvSpPr>
-        <p:spPr/>
-        <p:txBody>
-          <a:bodyPr/>
-          <a:lstStyle/>
-          <a:p>
-            <a:pPr algn="ctr"/>
-            <a:r>
-              <a:rPr lang="en-US" b="1" dirty="0"/>
-              <a:t>T</a:t>
-            </a:r>
-            <a:r>
-              <a:rPr lang="en-US" dirty="0"/>
-              <a:t>ransform!</a:t>
-            </a:r>
-          </a:p>
-        </p:txBody>
-      </p:sp>
-      <p:sp>
-        <p:nvSpPr>
-          <p:cNvPr id="3" name="Content Placeholder 2">
-            <a:extLst>
-              <a:ext uri="{FF2B5EF4-FFF2-40B4-BE49-F238E27FC236}">
-                <a16:creationId xmlns:a16="http://schemas.microsoft.com/office/drawing/2014/main" id="{14C41D81-F359-4B5E-BA5A-CF293FFC2AF5}"/>
-              </a:ext>
-            </a:extLst>
-          </p:cNvPr>
-          <p:cNvSpPr>
-            <a:spLocks noGrp="1"/>
-          </p:cNvSpPr>
-          <p:nvPr>
-            <p:ph idx="1"/>
-          </p:nvPr>
-        </p:nvSpPr>
-        <p:spPr/>
-        <p:txBody>
-          <a:bodyPr/>
-          <a:lstStyle/>
-          <a:p>
-            <a:r>
-              <a:rPr lang="en-US" dirty="0"/>
-              <a:t>Transformation process/steps:</a:t>
-            </a:r>
-          </a:p>
-          <a:p>
-            <a:pPr lvl="1"/>
-            <a:r>
-              <a:rPr lang="en-US" dirty="0"/>
-              <a:t>Filter, drop and rename columns</a:t>
-            </a:r>
-          </a:p>
-          <a:p>
-            <a:pPr lvl="1"/>
-            <a:r>
-              <a:rPr lang="en-US" dirty="0"/>
-              <a:t>Aggregate animals by year for outcome types</a:t>
-            </a:r>
-          </a:p>
-          <a:p>
-            <a:pPr lvl="1"/>
-            <a:r>
-              <a:rPr lang="en-US" dirty="0"/>
-              <a:t>Filter data sets so that they both have the same data range</a:t>
-            </a:r>
-          </a:p>
-          <a:p>
-            <a:pPr lvl="1"/>
-            <a:r>
-              <a:rPr lang="en-US" dirty="0"/>
-              <a:t>Clean data by dropping any duplicates or rows missing data</a:t>
-            </a:r>
-          </a:p>
-          <a:p>
-            <a:pPr lvl="1"/>
-            <a:r>
-              <a:rPr lang="en-US" dirty="0"/>
-              <a:t>Sort the animal data set so that the results are “grouped” by year.</a:t>
-            </a:r>
-          </a:p>
-        </p:txBody>
-      </p:sp>
-    </p:spTree>
-    <p:extLst>
-      <p:ext uri="{BB962C8B-B14F-4D97-AF65-F5344CB8AC3E}">
-        <p14:creationId xmlns:p14="http://schemas.microsoft.com/office/powerpoint/2010/main" val="1474627776"/>
-      </p:ext>
-    </p:extLst>
-  </p:cSld>
-  <p:clrMapOvr>
-    <a:masterClrMapping/>
-  </p:clrMapOvr>
-</p:sld>
-</file>
-
-<file path=ppt/slides/slide5.xml><?xml version="1.0" encoding="utf-8"?>
-<p:sld xmlns:a="http://schemas.openxmlformats.org/drawingml/2006/main" xmlns:r="http://schemas.openxmlformats.org/officeDocument/2006/relationships" xmlns:p="http://schemas.openxmlformats.org/presentationml/2006/main">
-  <p:cSld>
-    <p:spTree>
-      <p:nvGrpSpPr>
-        <p:cNvPr id="1" name=""/>
-        <p:cNvGrpSpPr/>
-        <p:nvPr/>
-      </p:nvGrpSpPr>
-      <p:grpSpPr>
-        <a:xfrm>
-          <a:off x="0" y="0"/>
-          <a:ext cx="0" cy="0"/>
-          <a:chOff x="0" y="0"/>
-          <a:chExt cx="0" cy="0"/>
-        </a:xfrm>
-      </p:grpSpPr>
-      <p:sp>
-        <p:nvSpPr>
-          <p:cNvPr id="2" name="Title 1">
-            <a:extLst>
-              <a:ext uri="{FF2B5EF4-FFF2-40B4-BE49-F238E27FC236}">
                 <a16:creationId xmlns:a16="http://schemas.microsoft.com/office/drawing/2014/main" id="{3D95996B-3338-4E9E-9CCB-519D7EFD0A8A}"/>
               </a:ext>
             </a:extLst>
@@ -6318,7 +6254,7 @@
             </a:r>
             <a:r>
               <a:rPr lang="en-US" dirty="0" err="1"/>
-              <a:t>etlproject_db</a:t>
+              <a:t>animal_lovers</a:t>
             </a:r>
             <a:endParaRPr lang="en-US" dirty="0"/>
           </a:p>
@@ -6326,15 +6262,7 @@
             <a:pPr lvl="1"/>
             <a:r>
               <a:rPr lang="en-US" dirty="0"/>
-              <a:t>Tables: </a:t>
-            </a:r>
-            <a:r>
-              <a:rPr lang="en-US" dirty="0" err="1"/>
-              <a:t>aac_outcomes</a:t>
-            </a:r>
-            <a:r>
-              <a:rPr lang="en-US" dirty="0"/>
-              <a:t>, </a:t>
+              <a:t>Tables: animals, </a:t>
             </a:r>
             <a:r>
               <a:rPr lang="en-US" dirty="0" err="1"/>

--- a/ETL PROJECT POWERPOINT.pptx
+++ b/ETL PROJECT POWERPOINT.pptx
@@ -858,7 +858,7 @@
           <a:p>
             <a:fld id="{5A79DC7C-F358-4E9E-BE64-9426CB2C5C3F}" type="datetimeFigureOut">
               <a:rPr lang="en-US" smtClean="0"/>
-              <a:t>2/5/2019</a:t>
+              <a:t>2/5/19</a:t>
             </a:fld>
             <a:endParaRPr lang="en-US"/>
           </a:p>
@@ -1109,7 +1109,7 @@
           <a:p>
             <a:fld id="{5A79DC7C-F358-4E9E-BE64-9426CB2C5C3F}" type="datetimeFigureOut">
               <a:rPr lang="en-US" smtClean="0"/>
-              <a:t>2/5/2019</a:t>
+              <a:t>2/5/19</a:t>
             </a:fld>
             <a:endParaRPr lang="en-US"/>
           </a:p>
@@ -1423,7 +1423,7 @@
           <a:p>
             <a:fld id="{5A79DC7C-F358-4E9E-BE64-9426CB2C5C3F}" type="datetimeFigureOut">
               <a:rPr lang="en-US" smtClean="0"/>
-              <a:t>2/5/2019</a:t>
+              <a:t>2/5/19</a:t>
             </a:fld>
             <a:endParaRPr lang="en-US"/>
           </a:p>
@@ -1764,7 +1764,7 @@
           <a:p>
             <a:fld id="{5A79DC7C-F358-4E9E-BE64-9426CB2C5C3F}" type="datetimeFigureOut">
               <a:rPr lang="en-US" smtClean="0"/>
-              <a:t>2/5/2019</a:t>
+              <a:t>2/5/19</a:t>
             </a:fld>
             <a:endParaRPr lang="en-US"/>
           </a:p>
@@ -2078,7 +2078,7 @@
           <a:p>
             <a:fld id="{5A79DC7C-F358-4E9E-BE64-9426CB2C5C3F}" type="datetimeFigureOut">
               <a:rPr lang="en-US" smtClean="0"/>
-              <a:t>2/5/2019</a:t>
+              <a:t>2/5/19</a:t>
             </a:fld>
             <a:endParaRPr lang="en-US"/>
           </a:p>
@@ -2471,7 +2471,7 @@
           <a:p>
             <a:fld id="{5A79DC7C-F358-4E9E-BE64-9426CB2C5C3F}" type="datetimeFigureOut">
               <a:rPr lang="en-US" smtClean="0"/>
-              <a:t>2/5/2019</a:t>
+              <a:t>2/5/19</a:t>
             </a:fld>
             <a:endParaRPr lang="en-US"/>
           </a:p>
@@ -2641,7 +2641,7 @@
           <a:p>
             <a:fld id="{5A79DC7C-F358-4E9E-BE64-9426CB2C5C3F}" type="datetimeFigureOut">
               <a:rPr lang="en-US" smtClean="0"/>
-              <a:t>2/5/2019</a:t>
+              <a:t>2/5/19</a:t>
             </a:fld>
             <a:endParaRPr lang="en-US"/>
           </a:p>
@@ -2821,7 +2821,7 @@
           <a:p>
             <a:fld id="{5A79DC7C-F358-4E9E-BE64-9426CB2C5C3F}" type="datetimeFigureOut">
               <a:rPr lang="en-US" smtClean="0"/>
-              <a:t>2/5/2019</a:t>
+              <a:t>2/5/19</a:t>
             </a:fld>
             <a:endParaRPr lang="en-US"/>
           </a:p>
@@ -2997,7 +2997,7 @@
           <a:p>
             <a:fld id="{5A79DC7C-F358-4E9E-BE64-9426CB2C5C3F}" type="datetimeFigureOut">
               <a:rPr lang="en-US" smtClean="0"/>
-              <a:t>2/5/2019</a:t>
+              <a:t>2/5/19</a:t>
             </a:fld>
             <a:endParaRPr lang="en-US"/>
           </a:p>
@@ -3244,7 +3244,7 @@
           <a:p>
             <a:fld id="{5A79DC7C-F358-4E9E-BE64-9426CB2C5C3F}" type="datetimeFigureOut">
               <a:rPr lang="en-US" smtClean="0"/>
-              <a:t>2/5/2019</a:t>
+              <a:t>2/5/19</a:t>
             </a:fld>
             <a:endParaRPr lang="en-US"/>
           </a:p>
@@ -3476,7 +3476,7 @@
           <a:p>
             <a:fld id="{5A79DC7C-F358-4E9E-BE64-9426CB2C5C3F}" type="datetimeFigureOut">
               <a:rPr lang="en-US" smtClean="0"/>
-              <a:t>2/5/2019</a:t>
+              <a:t>2/5/19</a:t>
             </a:fld>
             <a:endParaRPr lang="en-US"/>
           </a:p>
@@ -3850,7 +3850,7 @@
           <a:p>
             <a:fld id="{5A79DC7C-F358-4E9E-BE64-9426CB2C5C3F}" type="datetimeFigureOut">
               <a:rPr lang="en-US" smtClean="0"/>
-              <a:t>2/5/2019</a:t>
+              <a:t>2/5/19</a:t>
             </a:fld>
             <a:endParaRPr lang="en-US"/>
           </a:p>
@@ -3973,7 +3973,7 @@
           <a:p>
             <a:fld id="{5A79DC7C-F358-4E9E-BE64-9426CB2C5C3F}" type="datetimeFigureOut">
               <a:rPr lang="en-US" smtClean="0"/>
-              <a:t>2/5/2019</a:t>
+              <a:t>2/5/19</a:t>
             </a:fld>
             <a:endParaRPr lang="en-US"/>
           </a:p>
@@ -4068,7 +4068,7 @@
           <a:p>
             <a:fld id="{5A79DC7C-F358-4E9E-BE64-9426CB2C5C3F}" type="datetimeFigureOut">
               <a:rPr lang="en-US" smtClean="0"/>
-              <a:t>2/5/2019</a:t>
+              <a:t>2/5/19</a:t>
             </a:fld>
             <a:endParaRPr lang="en-US"/>
           </a:p>
@@ -4323,7 +4323,7 @@
           <a:p>
             <a:fld id="{5A79DC7C-F358-4E9E-BE64-9426CB2C5C3F}" type="datetimeFigureOut">
               <a:rPr lang="en-US" smtClean="0"/>
-              <a:t>2/5/2019</a:t>
+              <a:t>2/5/19</a:t>
             </a:fld>
             <a:endParaRPr lang="en-US"/>
           </a:p>
@@ -4586,7 +4586,7 @@
           <a:p>
             <a:fld id="{5A79DC7C-F358-4E9E-BE64-9426CB2C5C3F}" type="datetimeFigureOut">
               <a:rPr lang="en-US" smtClean="0"/>
-              <a:t>2/5/2019</a:t>
+              <a:t>2/5/19</a:t>
             </a:fld>
             <a:endParaRPr lang="en-US"/>
           </a:p>
@@ -5329,7 +5329,7 @@
           <a:p>
             <a:fld id="{5A79DC7C-F358-4E9E-BE64-9426CB2C5C3F}" type="datetimeFigureOut">
               <a:rPr lang="en-US" smtClean="0"/>
-              <a:t>2/5/2019</a:t>
+              <a:t>2/5/19</a:t>
             </a:fld>
             <a:endParaRPr lang="en-US"/>
           </a:p>
@@ -6254,7 +6254,7 @@
             </a:r>
             <a:r>
               <a:rPr lang="en-US" dirty="0" err="1"/>
-              <a:t>animal_lovers</a:t>
+              <a:t>etlproject_database</a:t>
             </a:r>
             <a:endParaRPr lang="en-US" dirty="0"/>
           </a:p>
@@ -6262,7 +6262,19 @@
             <a:pPr lvl="1"/>
             <a:r>
               <a:rPr lang="en-US" dirty="0"/>
-              <a:t>Tables: animals, </a:t>
+              <a:t>Tables: </a:t>
+            </a:r>
+            <a:r>
+              <a:rPr lang="en-US" err="1"/>
+              <a:t>aac</a:t>
+            </a:r>
+            <a:r>
+              <a:rPr lang="en-US"/>
+              <a:t>_outcomes</a:t>
+            </a:r>
+            <a:r>
+              <a:rPr lang="en-US" dirty="0"/>
+              <a:t>, </a:t>
             </a:r>
             <a:r>
               <a:rPr lang="en-US" dirty="0" err="1"/>
